--- a/EXPO-FS1A-TEMA1-NF.pptx
+++ b/EXPO-FS1A-TEMA1-NF.pptx
@@ -11193,8 +11193,37 @@
                   <a:srgbClr val="7CEBFF"/>
                 </a:solidFill>
               </a:rPr>
-              <a:t>YENNIFER</a:t>
-            </a:r>
+              <a:t>YENNYFER </a:t>
+            </a:r>
+            <a:r>
+              <a:rPr lang="es-ES" sz="1400" dirty="0" err="1">
+                <a:solidFill>
+                  <a:srgbClr val="7CEBFF"/>
+                </a:solidFill>
+              </a:rPr>
+              <a:t>Gpe</a:t>
+            </a:r>
+            <a:r>
+              <a:rPr lang="es-ES" sz="1400" dirty="0">
+                <a:solidFill>
+                  <a:srgbClr val="7CEBFF"/>
+                </a:solidFill>
+              </a:rPr>
+              <a:t>. Amaya corral </a:t>
+            </a:r>
+            <a:r>
+              <a:rPr lang="es-ES" sz="1400">
+                <a:solidFill>
+                  <a:srgbClr val="7CEBFF"/>
+                </a:solidFill>
+              </a:rPr>
+              <a:t>(20550208)</a:t>
+            </a:r>
+            <a:endParaRPr lang="es-ES" sz="1400" dirty="0">
+              <a:solidFill>
+                <a:srgbClr val="7CEBFF"/>
+              </a:solidFill>
+            </a:endParaRPr>
           </a:p>
           <a:p>
             <a:pPr rtl="0"/>
@@ -11204,7 +11233,23 @@
                   <a:srgbClr val="7CEBFF"/>
                 </a:solidFill>
               </a:rPr>
-              <a:t>JUAN </a:t>
+              <a:t>JUAN Manuel </a:t>
+            </a:r>
+            <a:r>
+              <a:rPr lang="es-ES" sz="1400" dirty="0" err="1">
+                <a:solidFill>
+                  <a:srgbClr val="7CEBFF"/>
+                </a:solidFill>
+              </a:rPr>
+              <a:t>cristerna</a:t>
+            </a:r>
+            <a:r>
+              <a:rPr lang="es-ES" sz="1400" dirty="0">
+                <a:solidFill>
+                  <a:srgbClr val="7CEBFF"/>
+                </a:solidFill>
+              </a:rPr>
+              <a:t> prado (C18060599) </a:t>
             </a:r>
           </a:p>
           <a:p>
@@ -15324,20 +15369,20 @@
 </file>
 
 <file path=customXml/item1.xml><?xml version="1.0" encoding="utf-8"?>
-<p:properties xmlns:p="http://schemas.microsoft.com/office/2006/metadata/properties" xmlns:xsi="http://www.w3.org/2001/XMLSchema-instance" xmlns:pc="http://schemas.microsoft.com/office/infopath/2007/PartnerControls">
-  <documentManagement>
-    <MediaServiceKeyPoints xmlns="71af3243-3dd4-4a8d-8c0d-dd76da1f02a5" xsi:nil="true"/>
-  </documentManagement>
-</p:properties>
-</file>
-
-<file path=customXml/item2.xml><?xml version="1.0" encoding="utf-8"?>
 <?mso-contentType ?>
 <FormTemplates xmlns="http://schemas.microsoft.com/sharepoint/v3/contenttype/forms">
   <Display>DocumentLibraryForm</Display>
   <Edit>DocumentLibraryForm</Edit>
   <New>DocumentLibraryForm</New>
 </FormTemplates>
+</file>
+
+<file path=customXml/item2.xml><?xml version="1.0" encoding="utf-8"?>
+<p:properties xmlns:p="http://schemas.microsoft.com/office/2006/metadata/properties" xmlns:xsi="http://www.w3.org/2001/XMLSchema-instance" xmlns:pc="http://schemas.microsoft.com/office/infopath/2007/PartnerControls">
+  <documentManagement>
+    <MediaServiceKeyPoints xmlns="71af3243-3dd4-4a8d-8c0d-dd76da1f02a5" xsi:nil="true"/>
+  </documentManagement>
+</p:properties>
 </file>
 
 <file path=customXml/item3.xml><?xml version="1.0" encoding="utf-8"?>
@@ -15552,6 +15597,14 @@
 </file>
 
 <file path=customXml/itemProps1.xml><?xml version="1.0" encoding="utf-8"?>
+<ds:datastoreItem xmlns:ds="http://schemas.openxmlformats.org/officeDocument/2006/customXml" ds:itemID="{BA0CF3B2-1F0F-4FC5-8002-3E4869ABAD55}">
+  <ds:schemaRefs>
+    <ds:schemaRef ds:uri="http://schemas.microsoft.com/sharepoint/v3/contenttype/forms"/>
+  </ds:schemaRefs>
+</ds:datastoreItem>
+</file>
+
+<file path=customXml/itemProps2.xml><?xml version="1.0" encoding="utf-8"?>
 <ds:datastoreItem xmlns:ds="http://schemas.openxmlformats.org/officeDocument/2006/customXml" ds:itemID="{1EBC12AA-1C15-4500-BC9C-8EE83A441DE9}">
   <ds:schemaRefs>
     <ds:schemaRef ds:uri="http://schemas.microsoft.com/office/2006/documentManagement/types"/>
@@ -15564,14 +15617,6 @@
     <ds:schemaRef ds:uri="http://schemas.microsoft.com/office/2006/metadata/properties"/>
     <ds:schemaRef ds:uri="http://schemas.microsoft.com/office/infopath/2007/PartnerControls"/>
     <ds:schemaRef ds:uri="http://schemas.openxmlformats.org/package/2006/metadata/core-properties"/>
-  </ds:schemaRefs>
-</ds:datastoreItem>
-</file>
-
-<file path=customXml/itemProps2.xml><?xml version="1.0" encoding="utf-8"?>
-<ds:datastoreItem xmlns:ds="http://schemas.openxmlformats.org/officeDocument/2006/customXml" ds:itemID="{BA0CF3B2-1F0F-4FC5-8002-3E4869ABAD55}">
-  <ds:schemaRefs>
-    <ds:schemaRef ds:uri="http://schemas.microsoft.com/sharepoint/v3/contenttype/forms"/>
   </ds:schemaRefs>
 </ds:datastoreItem>
 </file>

--- a/EXPO-FS1A-TEMA1-NF.pptx
+++ b/EXPO-FS1A-TEMA1-NF.pptx
@@ -1083,6 +1083,13 @@
         </dgm:presLayoutVars>
       </dgm:prSet>
       <dgm:spPr/>
+      <dgm:t>
+        <a:bodyPr/>
+        <a:lstStyle/>
+        <a:p>
+          <a:endParaRPr lang="es-ES"/>
+        </a:p>
+      </dgm:t>
     </dgm:pt>
     <dgm:pt modelId="{90561C55-3C6E-4D53-85E1-2C50BCDDA392}" type="pres">
       <dgm:prSet presAssocID="{7E5AA53B-3EEE-4DE4-BB81-9044890C2946}" presName="Name1" presStyleCnt="0"/>
@@ -1099,6 +1106,13 @@
     <dgm:pt modelId="{D79B43FC-100B-4A0D-A4D5-0D2D04B99064}" type="pres">
       <dgm:prSet presAssocID="{7E5AA53B-3EEE-4DE4-BB81-9044890C2946}" presName="conn" presStyleLbl="parChTrans1D2" presStyleIdx="0" presStyleCnt="1"/>
       <dgm:spPr/>
+      <dgm:t>
+        <a:bodyPr/>
+        <a:lstStyle/>
+        <a:p>
+          <a:endParaRPr lang="es-ES"/>
+        </a:p>
+      </dgm:t>
     </dgm:pt>
     <dgm:pt modelId="{3CAD8DA1-8D53-445C-ACE8-D8449E4F0F55}" type="pres">
       <dgm:prSet presAssocID="{7E5AA53B-3EEE-4DE4-BB81-9044890C2946}" presName="extraNode" presStyleLbl="node1" presStyleIdx="0" presStyleCnt="5"/>
@@ -1115,6 +1129,13 @@
         </dgm:presLayoutVars>
       </dgm:prSet>
       <dgm:spPr/>
+      <dgm:t>
+        <a:bodyPr/>
+        <a:lstStyle/>
+        <a:p>
+          <a:endParaRPr lang="es-ES"/>
+        </a:p>
+      </dgm:t>
     </dgm:pt>
     <dgm:pt modelId="{46E2EA33-EE45-4444-AC99-43DEEC2265B6}" type="pres">
       <dgm:prSet presAssocID="{D7A1BBE0-79FE-4386-B795-91EFA5231989}" presName="accent_1" presStyleCnt="0"/>
@@ -1131,6 +1152,13 @@
         </dgm:presLayoutVars>
       </dgm:prSet>
       <dgm:spPr/>
+      <dgm:t>
+        <a:bodyPr/>
+        <a:lstStyle/>
+        <a:p>
+          <a:endParaRPr lang="es-ES"/>
+        </a:p>
+      </dgm:t>
     </dgm:pt>
     <dgm:pt modelId="{4A2ED180-D821-433A-9C06-A17C41D955CB}" type="pres">
       <dgm:prSet presAssocID="{F5487703-D004-4FB9-88F0-0460889F225D}" presName="accent_2" presStyleCnt="0"/>
@@ -1147,6 +1175,13 @@
         </dgm:presLayoutVars>
       </dgm:prSet>
       <dgm:spPr/>
+      <dgm:t>
+        <a:bodyPr/>
+        <a:lstStyle/>
+        <a:p>
+          <a:endParaRPr lang="es-ES"/>
+        </a:p>
+      </dgm:t>
     </dgm:pt>
     <dgm:pt modelId="{68193588-8354-4CD2-BD69-5F93367B0ACE}" type="pres">
       <dgm:prSet presAssocID="{36DFECBD-F848-46B9-9770-1E6B82BA9ACF}" presName="accent_3" presStyleCnt="0"/>
@@ -1163,6 +1198,13 @@
         </dgm:presLayoutVars>
       </dgm:prSet>
       <dgm:spPr/>
+      <dgm:t>
+        <a:bodyPr/>
+        <a:lstStyle/>
+        <a:p>
+          <a:endParaRPr lang="es-ES"/>
+        </a:p>
+      </dgm:t>
     </dgm:pt>
     <dgm:pt modelId="{EA77C945-CC3B-471C-8251-950ADB83477B}" type="pres">
       <dgm:prSet presAssocID="{E6D627D5-7151-4D1B-9DBA-CC91CC241220}" presName="accent_4" presStyleCnt="0"/>
@@ -1179,6 +1221,13 @@
         </dgm:presLayoutVars>
       </dgm:prSet>
       <dgm:spPr/>
+      <dgm:t>
+        <a:bodyPr/>
+        <a:lstStyle/>
+        <a:p>
+          <a:endParaRPr lang="es-ES"/>
+        </a:p>
+      </dgm:t>
     </dgm:pt>
     <dgm:pt modelId="{3362B3A5-616F-43DA-B8A6-C686C9EDADE0}" type="pres">
       <dgm:prSet presAssocID="{70BEB3A4-0AB2-4589-9E5C-4105DAF6309E}" presName="accent_5" presStyleCnt="0"/>
@@ -1190,18 +1239,18 @@
     </dgm:pt>
   </dgm:ptLst>
   <dgm:cxnLst>
-    <dgm:cxn modelId="{B6A04801-BCD1-48B9-8C82-A21ED3935526}" srcId="{7E5AA53B-3EEE-4DE4-BB81-9044890C2946}" destId="{D7A1BBE0-79FE-4386-B795-91EFA5231989}" srcOrd="0" destOrd="0" parTransId="{CB9BA5A3-86B4-4E96-A66E-BC190B60A5E7}" sibTransId="{030C2D7B-AADA-49A5-B1C8-910248815306}"/>
-    <dgm:cxn modelId="{5FC6E613-7602-46D9-A53C-8E722E0431BF}" type="presOf" srcId="{E6D627D5-7151-4D1B-9DBA-CC91CC241220}" destId="{27B70E07-4BD3-498C-93B0-87AFF065FCB4}" srcOrd="0" destOrd="0" presId="urn:microsoft.com/office/officeart/2008/layout/VerticalCurvedList"/>
-    <dgm:cxn modelId="{A5CDA72F-193F-42F3-A451-8005367ECAD3}" type="presOf" srcId="{030C2D7B-AADA-49A5-B1C8-910248815306}" destId="{D79B43FC-100B-4A0D-A4D5-0D2D04B99064}" srcOrd="0" destOrd="0" presId="urn:microsoft.com/office/officeart/2008/layout/VerticalCurvedList"/>
-    <dgm:cxn modelId="{B98EB14D-C834-40C0-823A-46FA8EF94708}" type="presOf" srcId="{36DFECBD-F848-46B9-9770-1E6B82BA9ACF}" destId="{EDFB7878-EB6E-4CC4-8580-6DF600E4B810}" srcOrd="0" destOrd="0" presId="urn:microsoft.com/office/officeart/2008/layout/VerticalCurvedList"/>
-    <dgm:cxn modelId="{ED037682-1F09-4A1E-B4F8-F6818D274F3D}" srcId="{7E5AA53B-3EEE-4DE4-BB81-9044890C2946}" destId="{E6D627D5-7151-4D1B-9DBA-CC91CC241220}" srcOrd="3" destOrd="0" parTransId="{DAD830F2-E507-446F-8C6D-9E1EF4225DDB}" sibTransId="{CA61DDB6-2068-441D-8482-F854A20185DE}"/>
-    <dgm:cxn modelId="{4F65CC8F-B5A8-40BE-A32B-05862B543D6A}" type="presOf" srcId="{7E5AA53B-3EEE-4DE4-BB81-9044890C2946}" destId="{57806726-6E60-4ACC-9C1C-7DF9CC365A10}" srcOrd="0" destOrd="0" presId="urn:microsoft.com/office/officeart/2008/layout/VerticalCurvedList"/>
     <dgm:cxn modelId="{B23D5DA2-7B3C-4B85-BBE4-53F8952DD991}" type="presOf" srcId="{70BEB3A4-0AB2-4589-9E5C-4105DAF6309E}" destId="{E9CEB8C2-1645-43A1-87B3-0EC684C33C23}" srcOrd="0" destOrd="0" presId="urn:microsoft.com/office/officeart/2008/layout/VerticalCurvedList"/>
-    <dgm:cxn modelId="{8B0B81B3-E522-4DEA-B0AD-31BB9E96E97B}" type="presOf" srcId="{F5487703-D004-4FB9-88F0-0460889F225D}" destId="{CD88C58A-B5AA-46B6-9F3B-A84996C22B8D}" srcOrd="0" destOrd="0" presId="urn:microsoft.com/office/officeart/2008/layout/VerticalCurvedList"/>
-    <dgm:cxn modelId="{985036C8-EF36-402D-A307-5B4DB7C283F3}" type="presOf" srcId="{D7A1BBE0-79FE-4386-B795-91EFA5231989}" destId="{7275CBF6-64DE-4E82-8478-E365C5912A72}" srcOrd="0" destOrd="0" presId="urn:microsoft.com/office/officeart/2008/layout/VerticalCurvedList"/>
-    <dgm:cxn modelId="{08EAF3CC-8C0A-43FF-B64F-B8630EFF8B7A}" srcId="{7E5AA53B-3EEE-4DE4-BB81-9044890C2946}" destId="{36DFECBD-F848-46B9-9770-1E6B82BA9ACF}" srcOrd="2" destOrd="0" parTransId="{B1BF08A3-5CFA-445D-A22B-A0733280DDDE}" sibTransId="{AA170B44-6EE4-4E6D-9114-1DBA97CCC8F5}"/>
     <dgm:cxn modelId="{28D409E4-26D8-46D6-9C09-05CF487C3B04}" srcId="{7E5AA53B-3EEE-4DE4-BB81-9044890C2946}" destId="{F5487703-D004-4FB9-88F0-0460889F225D}" srcOrd="1" destOrd="0" parTransId="{DA7035DB-B96D-428E-B16D-48B4B9436F6E}" sibTransId="{96BC740A-7117-466B-8999-16129CE89E27}"/>
     <dgm:cxn modelId="{71B82FE6-FF0D-4617-BBC2-97CBB82BAA16}" srcId="{7E5AA53B-3EEE-4DE4-BB81-9044890C2946}" destId="{70BEB3A4-0AB2-4589-9E5C-4105DAF6309E}" srcOrd="4" destOrd="0" parTransId="{7C69C76A-3AFB-4152-AF99-8AAB82478986}" sibTransId="{8CC0180C-2FFA-4199-8E3D-CCCD9DDDF303}"/>
+    <dgm:cxn modelId="{985036C8-EF36-402D-A307-5B4DB7C283F3}" type="presOf" srcId="{D7A1BBE0-79FE-4386-B795-91EFA5231989}" destId="{7275CBF6-64DE-4E82-8478-E365C5912A72}" srcOrd="0" destOrd="0" presId="urn:microsoft.com/office/officeart/2008/layout/VerticalCurvedList"/>
+    <dgm:cxn modelId="{8B0B81B3-E522-4DEA-B0AD-31BB9E96E97B}" type="presOf" srcId="{F5487703-D004-4FB9-88F0-0460889F225D}" destId="{CD88C58A-B5AA-46B6-9F3B-A84996C22B8D}" srcOrd="0" destOrd="0" presId="urn:microsoft.com/office/officeart/2008/layout/VerticalCurvedList"/>
+    <dgm:cxn modelId="{B98EB14D-C834-40C0-823A-46FA8EF94708}" type="presOf" srcId="{36DFECBD-F848-46B9-9770-1E6B82BA9ACF}" destId="{EDFB7878-EB6E-4CC4-8580-6DF600E4B810}" srcOrd="0" destOrd="0" presId="urn:microsoft.com/office/officeart/2008/layout/VerticalCurvedList"/>
+    <dgm:cxn modelId="{5FC6E613-7602-46D9-A53C-8E722E0431BF}" type="presOf" srcId="{E6D627D5-7151-4D1B-9DBA-CC91CC241220}" destId="{27B70E07-4BD3-498C-93B0-87AFF065FCB4}" srcOrd="0" destOrd="0" presId="urn:microsoft.com/office/officeart/2008/layout/VerticalCurvedList"/>
+    <dgm:cxn modelId="{4F65CC8F-B5A8-40BE-A32B-05862B543D6A}" type="presOf" srcId="{7E5AA53B-3EEE-4DE4-BB81-9044890C2946}" destId="{57806726-6E60-4ACC-9C1C-7DF9CC365A10}" srcOrd="0" destOrd="0" presId="urn:microsoft.com/office/officeart/2008/layout/VerticalCurvedList"/>
+    <dgm:cxn modelId="{B6A04801-BCD1-48B9-8C82-A21ED3935526}" srcId="{7E5AA53B-3EEE-4DE4-BB81-9044890C2946}" destId="{D7A1BBE0-79FE-4386-B795-91EFA5231989}" srcOrd="0" destOrd="0" parTransId="{CB9BA5A3-86B4-4E96-A66E-BC190B60A5E7}" sibTransId="{030C2D7B-AADA-49A5-B1C8-910248815306}"/>
+    <dgm:cxn modelId="{A5CDA72F-193F-42F3-A451-8005367ECAD3}" type="presOf" srcId="{030C2D7B-AADA-49A5-B1C8-910248815306}" destId="{D79B43FC-100B-4A0D-A4D5-0D2D04B99064}" srcOrd="0" destOrd="0" presId="urn:microsoft.com/office/officeart/2008/layout/VerticalCurvedList"/>
+    <dgm:cxn modelId="{ED037682-1F09-4A1E-B4F8-F6818D274F3D}" srcId="{7E5AA53B-3EEE-4DE4-BB81-9044890C2946}" destId="{E6D627D5-7151-4D1B-9DBA-CC91CC241220}" srcOrd="3" destOrd="0" parTransId="{DAD830F2-E507-446F-8C6D-9E1EF4225DDB}" sibTransId="{CA61DDB6-2068-441D-8482-F854A20185DE}"/>
+    <dgm:cxn modelId="{08EAF3CC-8C0A-43FF-B64F-B8630EFF8B7A}" srcId="{7E5AA53B-3EEE-4DE4-BB81-9044890C2946}" destId="{36DFECBD-F848-46B9-9770-1E6B82BA9ACF}" srcOrd="2" destOrd="0" parTransId="{B1BF08A3-5CFA-445D-A22B-A0733280DDDE}" sibTransId="{AA170B44-6EE4-4E6D-9114-1DBA97CCC8F5}"/>
     <dgm:cxn modelId="{4E25B52E-70EF-4A0F-B410-0B49263AF380}" type="presParOf" srcId="{57806726-6E60-4ACC-9C1C-7DF9CC365A10}" destId="{90561C55-3C6E-4D53-85E1-2C50BCDDA392}" srcOrd="0" destOrd="0" presId="urn:microsoft.com/office/officeart/2008/layout/VerticalCurvedList"/>
     <dgm:cxn modelId="{2B3DD9E4-EC9C-4B92-B380-F89BF82E7CF3}" type="presParOf" srcId="{90561C55-3C6E-4D53-85E1-2C50BCDDA392}" destId="{B6CD42EC-5AD4-4004-AE5B-47EDA668DAA8}" srcOrd="0" destOrd="0" presId="urn:microsoft.com/office/officeart/2008/layout/VerticalCurvedList"/>
     <dgm:cxn modelId="{EA357085-80A4-4D1D-9BD2-56B1E9A721FB}" type="presParOf" srcId="{B6CD42EC-5AD4-4004-AE5B-47EDA668DAA8}" destId="{963B8EE3-40CC-4A0A-B420-D0BF920973CE}" srcOrd="0" destOrd="0" presId="urn:microsoft.com/office/officeart/2008/layout/VerticalCurvedList"/>
@@ -1356,7 +1405,7 @@
         </a:bodyPr>
         <a:lstStyle/>
         <a:p>
-          <a:pPr marL="0" lvl="0" indent="0" algn="l" defTabSz="1244600">
+          <a:pPr lvl="0" algn="l" defTabSz="1244600">
             <a:lnSpc>
               <a:spcPct val="90000"/>
             </a:lnSpc>
@@ -1366,7 +1415,6 @@
             <a:spcAft>
               <a:spcPct val="35000"/>
             </a:spcAft>
-            <a:buNone/>
           </a:pPr>
           <a:r>
             <a:rPr lang="es-ES" sz="2800" kern="1200" dirty="0"/>
@@ -1495,7 +1543,7 @@
         </a:bodyPr>
         <a:lstStyle/>
         <a:p>
-          <a:pPr marL="0" lvl="0" indent="0" algn="l" defTabSz="1244600">
+          <a:pPr lvl="0" algn="l" defTabSz="1244600">
             <a:lnSpc>
               <a:spcPct val="90000"/>
             </a:lnSpc>
@@ -1505,7 +1553,6 @@
             <a:spcAft>
               <a:spcPct val="35000"/>
             </a:spcAft>
-            <a:buNone/>
           </a:pPr>
           <a:r>
             <a:rPr lang="es-ES" sz="2800" kern="1200" dirty="0"/>
@@ -1634,7 +1681,7 @@
         </a:bodyPr>
         <a:lstStyle/>
         <a:p>
-          <a:pPr marL="0" lvl="0" indent="0" algn="l" defTabSz="1244600">
+          <a:pPr lvl="0" algn="l" defTabSz="1244600">
             <a:lnSpc>
               <a:spcPct val="90000"/>
             </a:lnSpc>
@@ -1644,7 +1691,6 @@
             <a:spcAft>
               <a:spcPct val="35000"/>
             </a:spcAft>
-            <a:buNone/>
           </a:pPr>
           <a:r>
             <a:rPr lang="es-ES" sz="2800" kern="1200" dirty="0"/>
@@ -1773,7 +1819,7 @@
         </a:bodyPr>
         <a:lstStyle/>
         <a:p>
-          <a:pPr marL="0" lvl="0" indent="0" algn="l" defTabSz="1244600">
+          <a:pPr lvl="0" algn="l" defTabSz="1244600">
             <a:lnSpc>
               <a:spcPct val="90000"/>
             </a:lnSpc>
@@ -1783,7 +1829,6 @@
             <a:spcAft>
               <a:spcPct val="35000"/>
             </a:spcAft>
-            <a:buNone/>
           </a:pPr>
           <a:r>
             <a:rPr lang="es-ES" sz="2800" kern="1200" dirty="0"/>
@@ -1912,7 +1957,7 @@
         </a:bodyPr>
         <a:lstStyle/>
         <a:p>
-          <a:pPr marL="0" lvl="0" indent="0" algn="l" defTabSz="1244600">
+          <a:pPr lvl="0" algn="l" defTabSz="1244600">
             <a:lnSpc>
               <a:spcPct val="90000"/>
             </a:lnSpc>
@@ -1922,7 +1967,6 @@
             <a:spcAft>
               <a:spcPct val="35000"/>
             </a:spcAft>
-            <a:buNone/>
           </a:pPr>
           <a:r>
             <a:rPr lang="es-ES" sz="2800" kern="1200" dirty="0"/>
@@ -4392,7 +4436,7 @@
           <a:p>
             <a:fld id="{00FB8E98-EB83-4166-8CDF-F8D5CC97446D}" type="datetimeFigureOut">
               <a:rPr lang="es-ES" smtClean="0"/>
-              <a:t>29/08/2022</a:t>
+              <a:t>30/08/2022</a:t>
             </a:fld>
             <a:endParaRPr lang="es-ES"/>
           </a:p>
@@ -4569,7 +4613,7 @@
           <a:p>
             <a:fld id="{9C59F1FC-52BF-40A0-B8CD-E5DB9AB207F2}" type="datetimeFigureOut">
               <a:rPr lang="es-ES" noProof="0" smtClean="0"/>
-              <a:t>29/08/2022</a:t>
+              <a:t>30/08/2022</a:t>
             </a:fld>
             <a:endParaRPr lang="es-ES" noProof="0"/>
           </a:p>
@@ -5486,7 +5530,7 @@
             <a:pPr rtl="0"/>
             <a:fld id="{7F3AD093-6935-4E25-8E83-BEC3D2E3622E}" type="datetime1">
               <a:rPr lang="es-ES" noProof="0" smtClean="0"/>
-              <a:t>29/08/2022</a:t>
+              <a:t>30/08/2022</a:t>
             </a:fld>
             <a:endParaRPr lang="es-ES" noProof="0"/>
           </a:p>
@@ -5824,7 +5868,7 @@
             <a:pPr rtl="0"/>
             <a:fld id="{8DB00A2C-96CA-430C-81E9-81B790CC7C63}" type="datetime1">
               <a:rPr lang="es-ES" noProof="0" smtClean="0"/>
-              <a:t>29/08/2022</a:t>
+              <a:t>30/08/2022</a:t>
             </a:fld>
             <a:endParaRPr lang="es-ES" noProof="0"/>
           </a:p>
@@ -6107,7 +6151,7 @@
             <a:pPr rtl="0"/>
             <a:fld id="{8DB00A2C-96CA-430C-81E9-81B790CC7C63}" type="datetime1">
               <a:rPr lang="es-ES" noProof="0" smtClean="0"/>
-              <a:t>29/08/2022</a:t>
+              <a:t>30/08/2022</a:t>
             </a:fld>
             <a:endParaRPr lang="es-ES" noProof="0"/>
           </a:p>
@@ -6680,7 +6724,7 @@
             <a:pPr rtl="0"/>
             <a:fld id="{8DB00A2C-96CA-430C-81E9-81B790CC7C63}" type="datetime1">
               <a:rPr lang="es-ES" noProof="0" smtClean="0"/>
-              <a:t>29/08/2022</a:t>
+              <a:t>30/08/2022</a:t>
             </a:fld>
             <a:endParaRPr lang="es-ES" noProof="0"/>
           </a:p>
@@ -6963,7 +7007,7 @@
             <a:pPr rtl="0"/>
             <a:fld id="{8DB00A2C-96CA-430C-81E9-81B790CC7C63}" type="datetime1">
               <a:rPr lang="es-ES" noProof="0" smtClean="0"/>
-              <a:t>29/08/2022</a:t>
+              <a:t>30/08/2022</a:t>
             </a:fld>
             <a:endParaRPr lang="es-ES" noProof="0"/>
           </a:p>
@@ -7530,7 +7574,7 @@
             <a:pPr rtl="0"/>
             <a:fld id="{8DB00A2C-96CA-430C-81E9-81B790CC7C63}" type="datetime1">
               <a:rPr lang="es-ES" noProof="0" smtClean="0"/>
-              <a:t>29/08/2022</a:t>
+              <a:t>30/08/2022</a:t>
             </a:fld>
             <a:endParaRPr lang="es-ES" noProof="0"/>
           </a:p>
@@ -7862,7 +7906,7 @@
             <a:pPr rtl="0"/>
             <a:fld id="{8DB00A2C-96CA-430C-81E9-81B790CC7C63}" type="datetime1">
               <a:rPr lang="es-ES" noProof="0" smtClean="0"/>
-              <a:t>29/08/2022</a:t>
+              <a:t>30/08/2022</a:t>
             </a:fld>
             <a:endParaRPr lang="es-ES" noProof="0"/>
           </a:p>
@@ -8072,7 +8116,7 @@
             <a:pPr rtl="0"/>
             <a:fld id="{90FE6873-B7CD-47F1-B4BA-70026F4A4FD4}" type="datetime1">
               <a:rPr lang="es-ES" noProof="0" smtClean="0"/>
-              <a:t>29/08/2022</a:t>
+              <a:t>30/08/2022</a:t>
             </a:fld>
             <a:endParaRPr lang="es-ES" noProof="0"/>
           </a:p>
@@ -8286,7 +8330,7 @@
             <a:pPr rtl="0"/>
             <a:fld id="{96AA1814-B970-47C5-B4E1-BCA0D77E15F3}" type="datetime1">
               <a:rPr lang="es-ES" noProof="0" smtClean="0"/>
-              <a:t>29/08/2022</a:t>
+              <a:t>30/08/2022</a:t>
             </a:fld>
             <a:endParaRPr lang="es-ES" noProof="0"/>
           </a:p>
@@ -8490,7 +8534,7 @@
             <a:pPr rtl="0"/>
             <a:fld id="{8DB00A2C-96CA-430C-81E9-81B790CC7C63}" type="datetime1">
               <a:rPr lang="es-ES" noProof="0" smtClean="0"/>
-              <a:t>29/08/2022</a:t>
+              <a:t>30/08/2022</a:t>
             </a:fld>
             <a:endParaRPr lang="es-ES" noProof="0"/>
           </a:p>
@@ -8771,7 +8815,7 @@
             <a:pPr rtl="0"/>
             <a:fld id="{FE6CF4E9-F423-4970-91B6-143DF72FA056}" type="datetime1">
               <a:rPr lang="es-ES" noProof="0" smtClean="0"/>
-              <a:t>29/08/2022</a:t>
+              <a:t>30/08/2022</a:t>
             </a:fld>
             <a:endParaRPr lang="es-ES" noProof="0"/>
           </a:p>
@@ -9041,7 +9085,7 @@
             <a:pPr rtl="0"/>
             <a:fld id="{E3955445-6089-478A-9DA1-4738AC4A8C11}" type="datetime1">
               <a:rPr lang="es-ES" noProof="0" smtClean="0"/>
-              <a:t>29/08/2022</a:t>
+              <a:t>30/08/2022</a:t>
             </a:fld>
             <a:endParaRPr lang="es-ES" noProof="0"/>
           </a:p>
@@ -9419,7 +9463,7 @@
             <a:pPr rtl="0"/>
             <a:fld id="{F32D574B-5FDE-4FDF-8F45-99828D8C688F}" type="datetime1">
               <a:rPr lang="es-ES" noProof="0" smtClean="0"/>
-              <a:t>29/08/2022</a:t>
+              <a:t>30/08/2022</a:t>
             </a:fld>
             <a:endParaRPr lang="es-ES" noProof="0"/>
           </a:p>
@@ -9571,7 +9615,7 @@
             <a:pPr rtl="0"/>
             <a:fld id="{5C9631C6-D8ED-4343-819F-B7AEF7D4E056}" type="datetime1">
               <a:rPr lang="es-ES" noProof="0" smtClean="0"/>
-              <a:t>29/08/2022</a:t>
+              <a:t>30/08/2022</a:t>
             </a:fld>
             <a:endParaRPr lang="es-ES" noProof="0"/>
           </a:p>
@@ -9700,7 +9744,7 @@
             <a:pPr rtl="0"/>
             <a:fld id="{146FA238-7AE4-47C1-BF2A-706B9C8FFAA8}" type="datetime1">
               <a:rPr lang="es-ES" noProof="0" smtClean="0"/>
-              <a:t>29/08/2022</a:t>
+              <a:t>30/08/2022</a:t>
             </a:fld>
             <a:endParaRPr lang="es-ES" noProof="0"/>
           </a:p>
@@ -9989,7 +10033,7 @@
             <a:pPr rtl="0"/>
             <a:fld id="{1E6D5EDF-0088-49D6-AAFA-F513F5E3B893}" type="datetime1">
               <a:rPr lang="es-ES" noProof="0" smtClean="0"/>
-              <a:t>29/08/2022</a:t>
+              <a:t>30/08/2022</a:t>
             </a:fld>
             <a:endParaRPr lang="es-ES" noProof="0"/>
           </a:p>
@@ -10317,7 +10361,7 @@
             <a:pPr rtl="0"/>
             <a:fld id="{8DB00A2C-96CA-430C-81E9-81B790CC7C63}" type="datetime1">
               <a:rPr lang="es-ES" noProof="0" smtClean="0"/>
-              <a:t>29/08/2022</a:t>
+              <a:t>30/08/2022</a:t>
             </a:fld>
             <a:endParaRPr lang="es-ES" noProof="0"/>
           </a:p>
@@ -10536,7 +10580,7 @@
             <a:pPr rtl="0"/>
             <a:fld id="{8DB00A2C-96CA-430C-81E9-81B790CC7C63}" type="datetime1">
               <a:rPr lang="es-ES" noProof="0" smtClean="0"/>
-              <a:t>29/08/2022</a:t>
+              <a:t>30/08/2022</a:t>
             </a:fld>
             <a:endParaRPr lang="es-ES" noProof="0"/>
           </a:p>
@@ -11649,7 +11693,7 @@
           </a:bodyPr>
           <a:lstStyle/>
           <a:p>
-            <a:pPr marL="0" indent="0">
+            <a:pPr marL="0" indent="0" algn="just">
               <a:buNone/>
             </a:pPr>
             <a:r>
@@ -11677,7 +11721,7 @@
           <a:blip r:embed="rId2">
             <a:extLst>
               <a:ext uri="{96DAC541-7B7A-43D3-8B79-37D633B846F1}">
-                <asvg:svgBlip xmlns:asvg="http://schemas.microsoft.com/office/drawing/2016/SVG/main" r:embed="rId3"/>
+                <asvg:svgBlip xmlns:asvg="http://schemas.microsoft.com/office/drawing/2016/SVG/main" xmlns="" r:embed="rId3"/>
               </a:ext>
             </a:extLst>
           </a:blip>
@@ -12540,7 +12584,7 @@
           <a:p>
             <a:pPr algn="ctr" rtl="0"/>
             <a:r>
-              <a:rPr lang="es-ES" dirty="0">
+              <a:rPr lang="es-ES" b="1" dirty="0">
                 <a:solidFill>
                   <a:srgbClr val="FFFEFF"/>
                 </a:solidFill>
@@ -12562,8 +12606,8 @@
         </p:nvSpPr>
         <p:spPr>
           <a:xfrm>
-            <a:off x="578439" y="720972"/>
-            <a:ext cx="11029615" cy="4271942"/>
+            <a:off x="581192" y="710512"/>
+            <a:ext cx="11029615" cy="4775887"/>
           </a:xfrm>
         </p:spPr>
         <p:txBody>
@@ -12598,6 +12642,13 @@
             <a:pPr marL="0" indent="0">
               <a:buNone/>
             </a:pPr>
+            <a:endParaRPr lang="es-ES" dirty="0" smtClean="0"/>
+          </a:p>
+          <a:p>
+            <a:r>
+              <a:rPr lang="es-ES" dirty="0" err="1" smtClean="0"/>
+              <a:t>BitKeeper</a:t>
+            </a:r>
             <a:endParaRPr lang="es-ES" dirty="0"/>
           </a:p>
           <a:p>
@@ -12641,7 +12692,7 @@
         </p:blipFill>
         <p:spPr bwMode="auto">
           <a:xfrm>
-            <a:off x="3542810" y="965944"/>
+            <a:off x="4616865" y="735745"/>
             <a:ext cx="4133850" cy="933450"/>
           </a:xfrm>
           <a:prstGeom prst="rect">
@@ -12682,7 +12733,7 @@
         </p:blipFill>
         <p:spPr bwMode="auto">
           <a:xfrm>
-            <a:off x="2914160" y="2191643"/>
+            <a:off x="3988215" y="2141198"/>
             <a:ext cx="5391150" cy="647700"/>
           </a:xfrm>
           <a:prstGeom prst="rect">
@@ -12723,7 +12774,7 @@
         </p:blipFill>
         <p:spPr bwMode="auto">
           <a:xfrm>
-            <a:off x="2004522" y="3023603"/>
+            <a:off x="3078577" y="3082158"/>
             <a:ext cx="7210425" cy="857251"/>
           </a:xfrm>
           <a:prstGeom prst="rect">
@@ -12762,7 +12813,7 @@
         </p:blipFill>
         <p:spPr bwMode="auto">
           <a:xfrm>
-            <a:off x="3120502" y="3937075"/>
+            <a:off x="4143113" y="4318861"/>
             <a:ext cx="4978463" cy="763347"/>
           </a:xfrm>
           <a:prstGeom prst="rect">
@@ -14061,7 +14112,7 @@
           <a:blip r:embed="rId2">
             <a:extLst>
               <a:ext uri="{96DAC541-7B7A-43D3-8B79-37D633B846F1}">
-                <asvg:svgBlip xmlns:asvg="http://schemas.microsoft.com/office/drawing/2016/SVG/main" r:embed="rId3"/>
+                <asvg:svgBlip xmlns:asvg="http://schemas.microsoft.com/office/drawing/2016/SVG/main" xmlns="" r:embed="rId3"/>
               </a:ext>
             </a:extLst>
           </a:blip>
@@ -14498,7 +14549,7 @@
           <a:blip r:embed="rId2">
             <a:extLst>
               <a:ext uri="{96DAC541-7B7A-43D3-8B79-37D633B846F1}">
-                <asvg:svgBlip xmlns:asvg="http://schemas.microsoft.com/office/drawing/2016/SVG/main" r:embed="rId3"/>
+                <asvg:svgBlip xmlns:asvg="http://schemas.microsoft.com/office/drawing/2016/SVG/main" xmlns="" r:embed="rId3"/>
               </a:ext>
             </a:extLst>
           </a:blip>
@@ -15369,20 +15420,20 @@
 </file>
 
 <file path=customXml/item1.xml><?xml version="1.0" encoding="utf-8"?>
+<p:properties xmlns:p="http://schemas.microsoft.com/office/2006/metadata/properties" xmlns:xsi="http://www.w3.org/2001/XMLSchema-instance" xmlns:pc="http://schemas.microsoft.com/office/infopath/2007/PartnerControls">
+  <documentManagement>
+    <MediaServiceKeyPoints xmlns="71af3243-3dd4-4a8d-8c0d-dd76da1f02a5" xsi:nil="true"/>
+  </documentManagement>
+</p:properties>
+</file>
+
+<file path=customXml/item2.xml><?xml version="1.0" encoding="utf-8"?>
 <?mso-contentType ?>
 <FormTemplates xmlns="http://schemas.microsoft.com/sharepoint/v3/contenttype/forms">
   <Display>DocumentLibraryForm</Display>
   <Edit>DocumentLibraryForm</Edit>
   <New>DocumentLibraryForm</New>
 </FormTemplates>
-</file>
-
-<file path=customXml/item2.xml><?xml version="1.0" encoding="utf-8"?>
-<p:properties xmlns:p="http://schemas.microsoft.com/office/2006/metadata/properties" xmlns:xsi="http://www.w3.org/2001/XMLSchema-instance" xmlns:pc="http://schemas.microsoft.com/office/infopath/2007/PartnerControls">
-  <documentManagement>
-    <MediaServiceKeyPoints xmlns="71af3243-3dd4-4a8d-8c0d-dd76da1f02a5" xsi:nil="true"/>
-  </documentManagement>
-</p:properties>
 </file>
 
 <file path=customXml/item3.xml><?xml version="1.0" encoding="utf-8"?>
@@ -15597,14 +15648,6 @@
 </file>
 
 <file path=customXml/itemProps1.xml><?xml version="1.0" encoding="utf-8"?>
-<ds:datastoreItem xmlns:ds="http://schemas.openxmlformats.org/officeDocument/2006/customXml" ds:itemID="{BA0CF3B2-1F0F-4FC5-8002-3E4869ABAD55}">
-  <ds:schemaRefs>
-    <ds:schemaRef ds:uri="http://schemas.microsoft.com/sharepoint/v3/contenttype/forms"/>
-  </ds:schemaRefs>
-</ds:datastoreItem>
-</file>
-
-<file path=customXml/itemProps2.xml><?xml version="1.0" encoding="utf-8"?>
 <ds:datastoreItem xmlns:ds="http://schemas.openxmlformats.org/officeDocument/2006/customXml" ds:itemID="{1EBC12AA-1C15-4500-BC9C-8EE83A441DE9}">
   <ds:schemaRefs>
     <ds:schemaRef ds:uri="http://schemas.microsoft.com/office/2006/documentManagement/types"/>
@@ -15617,6 +15660,14 @@
     <ds:schemaRef ds:uri="http://schemas.microsoft.com/office/2006/metadata/properties"/>
     <ds:schemaRef ds:uri="http://schemas.microsoft.com/office/infopath/2007/PartnerControls"/>
     <ds:schemaRef ds:uri="http://schemas.openxmlformats.org/package/2006/metadata/core-properties"/>
+  </ds:schemaRefs>
+</ds:datastoreItem>
+</file>
+
+<file path=customXml/itemProps2.xml><?xml version="1.0" encoding="utf-8"?>
+<ds:datastoreItem xmlns:ds="http://schemas.openxmlformats.org/officeDocument/2006/customXml" ds:itemID="{BA0CF3B2-1F0F-4FC5-8002-3E4869ABAD55}">
+  <ds:schemaRefs>
+    <ds:schemaRef ds:uri="http://schemas.microsoft.com/sharepoint/v3/contenttype/forms"/>
   </ds:schemaRefs>
 </ds:datastoreItem>
 </file>
